--- a/azreports.pptx
+++ b/azreports.pptx
@@ -2886,7 +2886,7 @@
         <p:spPr>
           <a:xfrm>
             <a:off x="823595" y="3474085"/>
-            <a:ext cx="10544175" cy="1804035"/>
+            <a:ext cx="10544175" cy="1281430"/>
           </a:xfrm>
           <a:prstGeom prst="rect">
             <a:avLst/>
@@ -2915,7 +2915,7 @@
                 <a:ea typeface="Poppins" panose="00000500000000000000" charset="0"/>
                 <a:cs typeface="Arial" panose="020B0604020202020204" pitchFamily="34" charset="0"/>
               </a:rPr>
-              <a:t>O AZReports tem como objetivo a economia de tempo, e automatização de tarefas relacionadas ao checklist diario e os reports necessários para o MatterMost e outras plataformas no futuro. Está sendo desenvolvida com a linguagem de programação C++ no Visual Studio Code.</a:t>
+              <a:t>O AZReports tem como objetivo a economia de tempo, e automatização de tarefas relacionadas ao checklist diario e os reports necessários para o MatterMost e outras plataformas no futuro. Está sendo desenvolvida com a linguagem de programação C++ no programa QT Creator.</a:t>
             </a:r>
             <a:endParaRPr lang="en-US" sz="1600">
               <a:solidFill>
@@ -3496,7 +3496,7 @@
                 <a:latin typeface="Poppins" panose="00000500000000000000" charset="0"/>
                 <a:ea typeface="Poppins" panose="00000500000000000000" charset="0"/>
                 <a:cs typeface="Arial" panose="020B0604020202020204" pitchFamily="34" charset="0"/>
-                <a:hlinkClick r:id="rId1" tooltip="" action="ppaction://hlinkfile"/>
+                <a:hlinkClick r:id="rId1" action="ppaction://hlinkfile"/>
               </a:rPr>
               <a:t>aqui</a:t>
             </a:r>
